--- a/docs/Scheme.pptx
+++ b/docs/Scheme.pptx
@@ -8813,6 +8813,372 @@
           </a:p>
         </p:txBody>
       </p:sp>
+      <mc:AlternateContent xmlns:mc="http://schemas.openxmlformats.org/markup-compatibility/2006">
+        <mc:Choice xmlns:a14="http://schemas.microsoft.com/office/drawing/2010/main" Requires="a14">
+          <p:sp>
+            <p:nvSpPr>
+              <p:cNvPr id="35" name="TextBox 34">
+                <a:extLst>
+                  <a:ext uri="{FF2B5EF4-FFF2-40B4-BE49-F238E27FC236}">
+                    <a16:creationId xmlns:a16="http://schemas.microsoft.com/office/drawing/2014/main" id="{ACA8CE3E-9D88-EA35-E919-4B7B691CAA32}"/>
+                  </a:ext>
+                </a:extLst>
+              </p:cNvPr>
+              <p:cNvSpPr txBox="1"/>
+              <p:nvPr/>
+            </p:nvSpPr>
+            <p:spPr>
+              <a:xfrm>
+                <a:off x="7062093" y="1643485"/>
+                <a:ext cx="1326325" cy="246221"/>
+              </a:xfrm>
+              <a:prstGeom prst="rect">
+                <a:avLst/>
+              </a:prstGeom>
+              <a:noFill/>
+            </p:spPr>
+            <p:txBody>
+              <a:bodyPr wrap="none" lIns="0" tIns="0" rIns="0" bIns="0" rtlCol="0">
+                <a:spAutoFit/>
+              </a:bodyPr>
+              <a:lstStyle/>
+              <a:p>
+                <a14:m>
+                  <m:oMathPara xmlns:m="http://schemas.openxmlformats.org/officeDocument/2006/math">
+                    <m:oMathParaPr>
+                      <m:jc m:val="centerGroup"/>
+                    </m:oMathParaPr>
+                    <m:oMath xmlns:m="http://schemas.openxmlformats.org/officeDocument/2006/math">
+                      <m:r>
+                        <a:rPr lang="en-US" sz="1600" b="0" i="1" smtClean="0">
+                          <a:latin typeface="Cambria Math" panose="02040503050406030204" pitchFamily="18" charset="0"/>
+                        </a:rPr>
+                        <m:t>𝜖</m:t>
+                      </m:r>
+                      <m:r>
+                        <a:rPr lang="en-US" sz="1600" b="0" i="1" smtClean="0">
+                          <a:latin typeface="Cambria Math" panose="02040503050406030204" pitchFamily="18" charset="0"/>
+                        </a:rPr>
+                        <m:t>∼2000 </m:t>
+                      </m:r>
+                      <m:r>
+                        <m:rPr>
+                          <m:sty m:val="p"/>
+                        </m:rPr>
+                        <a:rPr lang="en-US" sz="1600" b="0" i="0" smtClean="0">
+                          <a:latin typeface="Cambria Math" panose="02040503050406030204" pitchFamily="18" charset="0"/>
+                        </a:rPr>
+                        <m:t>pc</m:t>
+                      </m:r>
+                      <m:r>
+                        <a:rPr lang="en-US" sz="1600" b="0" i="1" smtClean="0">
+                          <a:latin typeface="Cambria Math" panose="02040503050406030204" pitchFamily="18" charset="0"/>
+                        </a:rPr>
+                        <m:t>/</m:t>
+                      </m:r>
+                      <m:r>
+                        <a:rPr lang="en-US" sz="1600" b="0" i="1" smtClean="0">
+                          <a:latin typeface="Cambria Math" panose="02040503050406030204" pitchFamily="18" charset="0"/>
+                        </a:rPr>
+                        <m:t>h</m:t>
+                      </m:r>
+                    </m:oMath>
+                  </m:oMathPara>
+                </a14:m>
+                <a:endParaRPr lang="en-US" sz="1600" dirty="0"/>
+              </a:p>
+            </p:txBody>
+          </p:sp>
+        </mc:Choice>
+        <mc:Fallback>
+          <p:sp>
+            <p:nvSpPr>
+              <p:cNvPr id="35" name="TextBox 34">
+                <a:extLst>
+                  <a:ext uri="{FF2B5EF4-FFF2-40B4-BE49-F238E27FC236}">
+                    <a16:creationId xmlns:a16="http://schemas.microsoft.com/office/drawing/2014/main" id="{ACA8CE3E-9D88-EA35-E919-4B7B691CAA32}"/>
+                  </a:ext>
+                </a:extLst>
+              </p:cNvPr>
+              <p:cNvSpPr txBox="1">
+                <a:spLocks noRot="1" noChangeAspect="1" noMove="1" noResize="1" noEditPoints="1" noAdjustHandles="1" noChangeArrowheads="1" noChangeShapeType="1" noTextEdit="1"/>
+              </p:cNvSpPr>
+              <p:nvPr/>
+            </p:nvSpPr>
+            <p:spPr>
+              <a:xfrm>
+                <a:off x="7062093" y="1643485"/>
+                <a:ext cx="1326325" cy="246221"/>
+              </a:xfrm>
+              <a:prstGeom prst="rect">
+                <a:avLst/>
+              </a:prstGeom>
+              <a:blipFill>
+                <a:blip r:embed="rId10"/>
+                <a:stretch>
+                  <a:fillRect l="-1887" t="-10000" r="-2830" b="-35000"/>
+                </a:stretch>
+              </a:blipFill>
+            </p:spPr>
+            <p:txBody>
+              <a:bodyPr/>
+              <a:lstStyle/>
+              <a:p>
+                <a:r>
+                  <a:rPr lang="en-US">
+                    <a:noFill/>
+                  </a:rPr>
+                  <a:t> </a:t>
+                </a:r>
+              </a:p>
+            </p:txBody>
+          </p:sp>
+        </mc:Fallback>
+      </mc:AlternateContent>
+      <mc:AlternateContent xmlns:mc="http://schemas.openxmlformats.org/markup-compatibility/2006">
+        <mc:Choice xmlns:a14="http://schemas.microsoft.com/office/drawing/2010/main" Requires="a14">
+          <p:sp>
+            <p:nvSpPr>
+              <p:cNvPr id="36" name="TextBox 35">
+                <a:extLst>
+                  <a:ext uri="{FF2B5EF4-FFF2-40B4-BE49-F238E27FC236}">
+                    <a16:creationId xmlns:a16="http://schemas.microsoft.com/office/drawing/2014/main" id="{0FF0C839-DFDA-F338-13B5-3412459DB04A}"/>
+                  </a:ext>
+                </a:extLst>
+              </p:cNvPr>
+              <p:cNvSpPr txBox="1"/>
+              <p:nvPr/>
+            </p:nvSpPr>
+            <p:spPr>
+              <a:xfrm>
+                <a:off x="5426833" y="3636933"/>
+                <a:ext cx="1212511" cy="246221"/>
+              </a:xfrm>
+              <a:prstGeom prst="rect">
+                <a:avLst/>
+              </a:prstGeom>
+              <a:noFill/>
+            </p:spPr>
+            <p:txBody>
+              <a:bodyPr wrap="none" lIns="0" tIns="0" rIns="0" bIns="0" rtlCol="0">
+                <a:spAutoFit/>
+              </a:bodyPr>
+              <a:lstStyle/>
+              <a:p>
+                <a14:m>
+                  <m:oMathPara xmlns:m="http://schemas.openxmlformats.org/officeDocument/2006/math">
+                    <m:oMathParaPr>
+                      <m:jc m:val="centerGroup"/>
+                    </m:oMathParaPr>
+                    <m:oMath xmlns:m="http://schemas.openxmlformats.org/officeDocument/2006/math">
+                      <m:r>
+                        <a:rPr lang="en-US" sz="1600" b="0" i="1" smtClean="0">
+                          <a:latin typeface="Cambria Math" panose="02040503050406030204" pitchFamily="18" charset="0"/>
+                        </a:rPr>
+                        <m:t>𝜖</m:t>
+                      </m:r>
+                      <m:r>
+                        <a:rPr lang="en-US" sz="1600" b="0" i="1" smtClean="0">
+                          <a:latin typeface="Cambria Math" panose="02040503050406030204" pitchFamily="18" charset="0"/>
+                        </a:rPr>
+                        <m:t>∼300 </m:t>
+                      </m:r>
+                      <m:r>
+                        <m:rPr>
+                          <m:sty m:val="p"/>
+                        </m:rPr>
+                        <a:rPr lang="en-US" sz="1600" b="0" i="0" smtClean="0">
+                          <a:latin typeface="Cambria Math" panose="02040503050406030204" pitchFamily="18" charset="0"/>
+                        </a:rPr>
+                        <m:t>pc</m:t>
+                      </m:r>
+                      <m:r>
+                        <a:rPr lang="en-US" sz="1600" b="0" i="1" smtClean="0">
+                          <a:latin typeface="Cambria Math" panose="02040503050406030204" pitchFamily="18" charset="0"/>
+                        </a:rPr>
+                        <m:t>/</m:t>
+                      </m:r>
+                      <m:r>
+                        <a:rPr lang="en-US" sz="1600" b="0" i="1" smtClean="0">
+                          <a:latin typeface="Cambria Math" panose="02040503050406030204" pitchFamily="18" charset="0"/>
+                        </a:rPr>
+                        <m:t>h</m:t>
+                      </m:r>
+                    </m:oMath>
+                  </m:oMathPara>
+                </a14:m>
+                <a:endParaRPr lang="en-US" sz="1600" dirty="0"/>
+              </a:p>
+            </p:txBody>
+          </p:sp>
+        </mc:Choice>
+        <mc:Fallback>
+          <p:sp>
+            <p:nvSpPr>
+              <p:cNvPr id="36" name="TextBox 35">
+                <a:extLst>
+                  <a:ext uri="{FF2B5EF4-FFF2-40B4-BE49-F238E27FC236}">
+                    <a16:creationId xmlns:a16="http://schemas.microsoft.com/office/drawing/2014/main" id="{0FF0C839-DFDA-F338-13B5-3412459DB04A}"/>
+                  </a:ext>
+                </a:extLst>
+              </p:cNvPr>
+              <p:cNvSpPr txBox="1">
+                <a:spLocks noRot="1" noChangeAspect="1" noMove="1" noResize="1" noEditPoints="1" noAdjustHandles="1" noChangeArrowheads="1" noChangeShapeType="1" noTextEdit="1"/>
+              </p:cNvSpPr>
+              <p:nvPr/>
+            </p:nvSpPr>
+            <p:spPr>
+              <a:xfrm>
+                <a:off x="5426833" y="3636933"/>
+                <a:ext cx="1212511" cy="246221"/>
+              </a:xfrm>
+              <a:prstGeom prst="rect">
+                <a:avLst/>
+              </a:prstGeom>
+              <a:blipFill>
+                <a:blip r:embed="rId11"/>
+                <a:stretch>
+                  <a:fillRect l="-2083" t="-10000" r="-4167" b="-35000"/>
+                </a:stretch>
+              </a:blipFill>
+            </p:spPr>
+            <p:txBody>
+              <a:bodyPr/>
+              <a:lstStyle/>
+              <a:p>
+                <a:r>
+                  <a:rPr lang="en-US">
+                    <a:noFill/>
+                  </a:rPr>
+                  <a:t> </a:t>
+                </a:r>
+              </a:p>
+            </p:txBody>
+          </p:sp>
+        </mc:Fallback>
+      </mc:AlternateContent>
+      <mc:AlternateContent xmlns:mc="http://schemas.openxmlformats.org/markup-compatibility/2006">
+        <mc:Choice xmlns:a14="http://schemas.microsoft.com/office/drawing/2010/main" Requires="a14">
+          <p:sp>
+            <p:nvSpPr>
+              <p:cNvPr id="37" name="TextBox 36">
+                <a:extLst>
+                  <a:ext uri="{FF2B5EF4-FFF2-40B4-BE49-F238E27FC236}">
+                    <a16:creationId xmlns:a16="http://schemas.microsoft.com/office/drawing/2014/main" id="{29DEB98D-FDC9-16F4-CC08-8368DC75310F}"/>
+                  </a:ext>
+                </a:extLst>
+              </p:cNvPr>
+              <p:cNvSpPr txBox="1"/>
+              <p:nvPr/>
+            </p:nvSpPr>
+            <p:spPr>
+              <a:xfrm>
+                <a:off x="3124348" y="4642419"/>
+                <a:ext cx="1098699" cy="246221"/>
+              </a:xfrm>
+              <a:prstGeom prst="rect">
+                <a:avLst/>
+              </a:prstGeom>
+              <a:noFill/>
+            </p:spPr>
+            <p:txBody>
+              <a:bodyPr wrap="none" lIns="0" tIns="0" rIns="0" bIns="0" rtlCol="0">
+                <a:spAutoFit/>
+              </a:bodyPr>
+              <a:lstStyle/>
+              <a:p>
+                <a14:m>
+                  <m:oMathPara xmlns:m="http://schemas.openxmlformats.org/officeDocument/2006/math">
+                    <m:oMathParaPr>
+                      <m:jc m:val="centerGroup"/>
+                    </m:oMathParaPr>
+                    <m:oMath xmlns:m="http://schemas.openxmlformats.org/officeDocument/2006/math">
+                      <m:r>
+                        <a:rPr lang="en-US" sz="1600" b="0" i="1" smtClean="0">
+                          <a:latin typeface="Cambria Math" panose="02040503050406030204" pitchFamily="18" charset="0"/>
+                        </a:rPr>
+                        <m:t>𝜖</m:t>
+                      </m:r>
+                      <m:r>
+                        <a:rPr lang="en-US" sz="1600" b="0" i="1" smtClean="0">
+                          <a:latin typeface="Cambria Math" panose="02040503050406030204" pitchFamily="18" charset="0"/>
+                        </a:rPr>
+                        <m:t>∼50 </m:t>
+                      </m:r>
+                      <m:r>
+                        <m:rPr>
+                          <m:sty m:val="p"/>
+                        </m:rPr>
+                        <a:rPr lang="en-US" sz="1600" b="0" i="0" smtClean="0">
+                          <a:latin typeface="Cambria Math" panose="02040503050406030204" pitchFamily="18" charset="0"/>
+                        </a:rPr>
+                        <m:t>pc</m:t>
+                      </m:r>
+                      <m:r>
+                        <a:rPr lang="en-US" sz="1600" b="0" i="1" smtClean="0">
+                          <a:latin typeface="Cambria Math" panose="02040503050406030204" pitchFamily="18" charset="0"/>
+                        </a:rPr>
+                        <m:t>/</m:t>
+                      </m:r>
+                      <m:r>
+                        <a:rPr lang="en-US" sz="1600" b="0" i="1" smtClean="0">
+                          <a:latin typeface="Cambria Math" panose="02040503050406030204" pitchFamily="18" charset="0"/>
+                        </a:rPr>
+                        <m:t>h</m:t>
+                      </m:r>
+                    </m:oMath>
+                  </m:oMathPara>
+                </a14:m>
+                <a:endParaRPr lang="en-US" sz="1600" dirty="0"/>
+              </a:p>
+            </p:txBody>
+          </p:sp>
+        </mc:Choice>
+        <mc:Fallback>
+          <p:sp>
+            <p:nvSpPr>
+              <p:cNvPr id="37" name="TextBox 36">
+                <a:extLst>
+                  <a:ext uri="{FF2B5EF4-FFF2-40B4-BE49-F238E27FC236}">
+                    <a16:creationId xmlns:a16="http://schemas.microsoft.com/office/drawing/2014/main" id="{29DEB98D-FDC9-16F4-CC08-8368DC75310F}"/>
+                  </a:ext>
+                </a:extLst>
+              </p:cNvPr>
+              <p:cNvSpPr txBox="1">
+                <a:spLocks noRot="1" noChangeAspect="1" noMove="1" noResize="1" noEditPoints="1" noAdjustHandles="1" noChangeArrowheads="1" noChangeShapeType="1" noTextEdit="1"/>
+              </p:cNvSpPr>
+              <p:nvPr/>
+            </p:nvSpPr>
+            <p:spPr>
+              <a:xfrm>
+                <a:off x="3124348" y="4642419"/>
+                <a:ext cx="1098699" cy="246221"/>
+              </a:xfrm>
+              <a:prstGeom prst="rect">
+                <a:avLst/>
+              </a:prstGeom>
+              <a:blipFill>
+                <a:blip r:embed="rId12"/>
+                <a:stretch>
+                  <a:fillRect l="-3448" t="-10000" r="-3448" b="-40000"/>
+                </a:stretch>
+              </a:blipFill>
+            </p:spPr>
+            <p:txBody>
+              <a:bodyPr/>
+              <a:lstStyle/>
+              <a:p>
+                <a:r>
+                  <a:rPr lang="en-US">
+                    <a:noFill/>
+                  </a:rPr>
+                  <a:t> </a:t>
+                </a:r>
+              </a:p>
+            </p:txBody>
+          </p:sp>
+        </mc:Fallback>
+      </mc:AlternateContent>
     </p:spTree>
     <p:extLst>
       <p:ext uri="{BB962C8B-B14F-4D97-AF65-F5344CB8AC3E}">
